--- a/images/images_for_bands.pptx
+++ b/images/images_for_bands.pptx
@@ -104,6 +104,11 @@
       </a:defRPr>
     </a:lvl9pPr>
   </p:defaultTextStyle>
+  <p:extLst>
+    <p:ext uri="{EFAFB233-063F-42B5-8137-9DF3F51BA10A}">
+      <p15:sldGuideLst xmlns:p15="http://schemas.microsoft.com/office/powerpoint/2012/main"/>
+    </p:ext>
+  </p:extLst>
 </p:presentation>
 </file>
 
@@ -256,7 +261,7 @@
           <a:p>
             <a:fld id="{A0FB9029-BBF4-473F-8537-E1B6B66936E9}" type="datetimeFigureOut">
               <a:rPr lang="es-BO" smtClean="0"/>
-              <a:t>1/2/2024</a:t>
+              <a:t>1/4/2024</a:t>
             </a:fld>
             <a:endParaRPr lang="es-BO"/>
           </a:p>
@@ -456,7 +461,7 @@
           <a:p>
             <a:fld id="{A0FB9029-BBF4-473F-8537-E1B6B66936E9}" type="datetimeFigureOut">
               <a:rPr lang="es-BO" smtClean="0"/>
-              <a:t>1/2/2024</a:t>
+              <a:t>1/4/2024</a:t>
             </a:fld>
             <a:endParaRPr lang="es-BO"/>
           </a:p>
@@ -666,7 +671,7 @@
           <a:p>
             <a:fld id="{A0FB9029-BBF4-473F-8537-E1B6B66936E9}" type="datetimeFigureOut">
               <a:rPr lang="es-BO" smtClean="0"/>
-              <a:t>1/2/2024</a:t>
+              <a:t>1/4/2024</a:t>
             </a:fld>
             <a:endParaRPr lang="es-BO"/>
           </a:p>
@@ -866,7 +871,7 @@
           <a:p>
             <a:fld id="{A0FB9029-BBF4-473F-8537-E1B6B66936E9}" type="datetimeFigureOut">
               <a:rPr lang="es-BO" smtClean="0"/>
-              <a:t>1/2/2024</a:t>
+              <a:t>1/4/2024</a:t>
             </a:fld>
             <a:endParaRPr lang="es-BO"/>
           </a:p>
@@ -1142,7 +1147,7 @@
           <a:p>
             <a:fld id="{A0FB9029-BBF4-473F-8537-E1B6B66936E9}" type="datetimeFigureOut">
               <a:rPr lang="es-BO" smtClean="0"/>
-              <a:t>1/2/2024</a:t>
+              <a:t>1/4/2024</a:t>
             </a:fld>
             <a:endParaRPr lang="es-BO"/>
           </a:p>
@@ -1410,7 +1415,7 @@
           <a:p>
             <a:fld id="{A0FB9029-BBF4-473F-8537-E1B6B66936E9}" type="datetimeFigureOut">
               <a:rPr lang="es-BO" smtClean="0"/>
-              <a:t>1/2/2024</a:t>
+              <a:t>1/4/2024</a:t>
             </a:fld>
             <a:endParaRPr lang="es-BO"/>
           </a:p>
@@ -1825,7 +1830,7 @@
           <a:p>
             <a:fld id="{A0FB9029-BBF4-473F-8537-E1B6B66936E9}" type="datetimeFigureOut">
               <a:rPr lang="es-BO" smtClean="0"/>
-              <a:t>1/2/2024</a:t>
+              <a:t>1/4/2024</a:t>
             </a:fld>
             <a:endParaRPr lang="es-BO"/>
           </a:p>
@@ -1967,7 +1972,7 @@
           <a:p>
             <a:fld id="{A0FB9029-BBF4-473F-8537-E1B6B66936E9}" type="datetimeFigureOut">
               <a:rPr lang="es-BO" smtClean="0"/>
-              <a:t>1/2/2024</a:t>
+              <a:t>1/4/2024</a:t>
             </a:fld>
             <a:endParaRPr lang="es-BO"/>
           </a:p>
@@ -2080,7 +2085,7 @@
           <a:p>
             <a:fld id="{A0FB9029-BBF4-473F-8537-E1B6B66936E9}" type="datetimeFigureOut">
               <a:rPr lang="es-BO" smtClean="0"/>
-              <a:t>1/2/2024</a:t>
+              <a:t>1/4/2024</a:t>
             </a:fld>
             <a:endParaRPr lang="es-BO"/>
           </a:p>
@@ -2393,7 +2398,7 @@
           <a:p>
             <a:fld id="{A0FB9029-BBF4-473F-8537-E1B6B66936E9}" type="datetimeFigureOut">
               <a:rPr lang="es-BO" smtClean="0"/>
-              <a:t>1/2/2024</a:t>
+              <a:t>1/4/2024</a:t>
             </a:fld>
             <a:endParaRPr lang="es-BO"/>
           </a:p>
@@ -2682,7 +2687,7 @@
           <a:p>
             <a:fld id="{A0FB9029-BBF4-473F-8537-E1B6B66936E9}" type="datetimeFigureOut">
               <a:rPr lang="es-BO" smtClean="0"/>
-              <a:t>1/2/2024</a:t>
+              <a:t>1/4/2024</a:t>
             </a:fld>
             <a:endParaRPr lang="es-BO"/>
           </a:p>
@@ -2925,7 +2930,7 @@
           <a:p>
             <a:fld id="{A0FB9029-BBF4-473F-8537-E1B6B66936E9}" type="datetimeFigureOut">
               <a:rPr lang="es-BO" smtClean="0"/>
-              <a:t>1/2/2024</a:t>
+              <a:t>1/4/2024</a:t>
             </a:fld>
             <a:endParaRPr lang="es-BO"/>
           </a:p>
@@ -3465,10 +3470,10 @@
       </p:pic>
       <p:pic>
         <p:nvPicPr>
-          <p:cNvPr id="18" name="Imagen 17">
-            <a:extLst>
-              <a:ext uri="{FF2B5EF4-FFF2-40B4-BE49-F238E27FC236}">
-                <a16:creationId xmlns:a16="http://schemas.microsoft.com/office/drawing/2014/main" id="{30BBDEDD-345D-4E17-9EB4-E30482E8EC4C}"/>
+          <p:cNvPr id="3" name="Imagen 2">
+            <a:extLst>
+              <a:ext uri="{FF2B5EF4-FFF2-40B4-BE49-F238E27FC236}">
+                <a16:creationId xmlns:a16="http://schemas.microsoft.com/office/drawing/2014/main" id="{F18C42E0-6100-4A1F-8DC2-38EE6E062BAF}"/>
               </a:ext>
             </a:extLst>
           </p:cNvPr>
@@ -3479,43 +3484,6 @@
         </p:nvPicPr>
         <p:blipFill>
           <a:blip r:embed="rId5"/>
-          <a:stretch>
-            <a:fillRect/>
-          </a:stretch>
-        </p:blipFill>
-        <p:spPr>
-          <a:xfrm>
-            <a:off x="5444737" y="240145"/>
-            <a:ext cx="2552727" cy="3600000"/>
-          </a:xfrm>
-          <a:prstGeom prst="rect">
-            <a:avLst/>
-          </a:prstGeom>
-          <a:ln>
-            <a:solidFill>
-              <a:schemeClr val="bg1">
-                <a:lumMod val="75000"/>
-              </a:schemeClr>
-            </a:solidFill>
-          </a:ln>
-        </p:spPr>
-      </p:pic>
-      <p:pic>
-        <p:nvPicPr>
-          <p:cNvPr id="3" name="Imagen 2">
-            <a:extLst>
-              <a:ext uri="{FF2B5EF4-FFF2-40B4-BE49-F238E27FC236}">
-                <a16:creationId xmlns:a16="http://schemas.microsoft.com/office/drawing/2014/main" id="{F18C42E0-6100-4A1F-8DC2-38EE6E062BAF}"/>
-              </a:ext>
-            </a:extLst>
-          </p:cNvPr>
-          <p:cNvPicPr>
-            <a:picLocks noChangeAspect="1"/>
-          </p:cNvPicPr>
-          <p:nvPr/>
-        </p:nvPicPr>
-        <p:blipFill>
-          <a:blip r:embed="rId6"/>
           <a:stretch>
             <a:fillRect/>
           </a:stretch>
@@ -3552,14 +3520,14 @@
           <p:nvPr/>
         </p:nvPicPr>
         <p:blipFill>
-          <a:blip r:embed="rId7"/>
+          <a:blip r:embed="rId6"/>
           <a:stretch>
             <a:fillRect/>
           </a:stretch>
         </p:blipFill>
         <p:spPr>
-          <a:xfrm rot="3946296">
-            <a:off x="4364612" y="1477818"/>
+          <a:xfrm rot="690064">
+            <a:off x="5346116" y="427509"/>
             <a:ext cx="2554699" cy="3600000"/>
           </a:xfrm>
           <a:prstGeom prst="rect">
@@ -3589,7 +3557,7 @@
           <p:nvPr/>
         </p:nvPicPr>
         <p:blipFill>
-          <a:blip r:embed="rId8"/>
+          <a:blip r:embed="rId7"/>
           <a:stretch>
             <a:fillRect/>
           </a:stretch>
@@ -3626,7 +3594,7 @@
           <p:nvPr/>
         </p:nvPicPr>
         <p:blipFill rotWithShape="1">
-          <a:blip r:embed="rId9"/>
+          <a:blip r:embed="rId8"/>
           <a:srcRect t="8248"/>
           <a:stretch/>
         </p:blipFill>
@@ -3662,7 +3630,7 @@
           <p:nvPr/>
         </p:nvPicPr>
         <p:blipFill>
-          <a:blip r:embed="rId10"/>
+          <a:blip r:embed="rId9"/>
           <a:stretch>
             <a:fillRect/>
           </a:stretch>
@@ -3699,7 +3667,7 @@
           <p:nvPr/>
         </p:nvPicPr>
         <p:blipFill>
-          <a:blip r:embed="rId11"/>
+          <a:blip r:embed="rId10"/>
           <a:stretch>
             <a:fillRect/>
           </a:stretch>
@@ -3736,7 +3704,7 @@
           <p:nvPr/>
         </p:nvPicPr>
         <p:blipFill>
-          <a:blip r:embed="rId12"/>
+          <a:blip r:embed="rId11"/>
           <a:stretch>
             <a:fillRect/>
           </a:stretch>
@@ -3745,6 +3713,43 @@
           <a:xfrm rot="17743525">
             <a:off x="893063" y="1850126"/>
             <a:ext cx="2574572" cy="3600000"/>
+          </a:xfrm>
+          <a:prstGeom prst="rect">
+            <a:avLst/>
+          </a:prstGeom>
+          <a:ln>
+            <a:solidFill>
+              <a:schemeClr val="bg1">
+                <a:lumMod val="75000"/>
+              </a:schemeClr>
+            </a:solidFill>
+          </a:ln>
+        </p:spPr>
+      </p:pic>
+      <p:pic>
+        <p:nvPicPr>
+          <p:cNvPr id="4" name="Imagen 3">
+            <a:extLst>
+              <a:ext uri="{FF2B5EF4-FFF2-40B4-BE49-F238E27FC236}">
+                <a16:creationId xmlns:a16="http://schemas.microsoft.com/office/drawing/2014/main" id="{61EEE474-85DE-40D8-BB48-DACE43598423}"/>
+              </a:ext>
+            </a:extLst>
+          </p:cNvPr>
+          <p:cNvPicPr>
+            <a:picLocks noChangeAspect="1"/>
+          </p:cNvPicPr>
+          <p:nvPr/>
+        </p:nvPicPr>
+        <p:blipFill>
+          <a:blip r:embed="rId12"/>
+          <a:stretch>
+            <a:fillRect/>
+          </a:stretch>
+        </p:blipFill>
+        <p:spPr>
+          <a:xfrm rot="21317618">
+            <a:off x="4131193" y="1515880"/>
+            <a:ext cx="2878834" cy="3826240"/>
           </a:xfrm>
           <a:prstGeom prst="rect">
             <a:avLst/>
